--- a/Unit 2 Kinematics/L12 RelativeVelocityPart1/Relative Velocity.pptx
+++ b/Unit 2 Kinematics/L12 RelativeVelocityPart1/Relative Velocity.pptx
@@ -6489,29 +6489,37 @@
             </a:r>
             <a:r>
               <a:rPr lang="en-US" dirty="0" smtClean="0"/>
-              <a:t> </a:t>
-            </a:r>
-            <a:r>
-              <a:rPr lang="en-US" smtClean="0"/>
-              <a:t>km </a:t>
-            </a:r>
-            <a:r>
-              <a:rPr lang="en-US" smtClean="0"/>
-              <a:t>[S43</a:t>
-            </a:r>
-            <a:r>
-              <a:rPr lang="en-US" baseline="30000" smtClean="0"/>
+              <a:t> km [S43</a:t>
+            </a:r>
+            <a:r>
+              <a:rPr lang="en-US" baseline="30000" dirty="0" smtClean="0"/>
               <a:t>o</a:t>
             </a:r>
             <a:r>
-              <a:rPr lang="en-US" smtClean="0"/>
-              <a:t> E]. </a:t>
-            </a:r>
-            <a:r>
               <a:rPr lang="en-US" dirty="0" smtClean="0"/>
-              <a:t>A wind is blowing with a velocity of 75 km/h [E]. Determine the required velocity of the plane relative to the air.</a:t>
-            </a:r>
+              <a:t> E]. A wind is blowing with a velocity of 75 km/h [E]. Determine the required velocity of the plane relative to the air</a:t>
+            </a:r>
+            <a:r>
+              <a:rPr lang="en-US" dirty="0" smtClean="0"/>
+              <a:t>.</a:t>
+            </a:r>
+          </a:p>
+          <a:p>
+            <a:endParaRPr lang="en-CA" dirty="0"/>
+          </a:p>
+          <a:p>
             <a:endParaRPr lang="en-CA" dirty="0" smtClean="0"/>
+          </a:p>
+          <a:p>
+            <a:r>
+              <a:rPr lang="en-CA" i="1" dirty="0" err="1" smtClean="0"/>
+              <a:t>Ans</a:t>
+            </a:r>
+            <a:r>
+              <a:rPr lang="en-CA" i="1" dirty="0" smtClean="0"/>
+              <a:t>: 353 km/h [W56S]</a:t>
+            </a:r>
+            <a:endParaRPr lang="en-CA" i="1" dirty="0" smtClean="0"/>
           </a:p>
           <a:p>
             <a:endParaRPr lang="en-CA" dirty="0"/>
